--- a/Presentation.pptx
+++ b/Presentation.pptx
@@ -5,8 +5,10 @@
     <p:sldMasterId id="2147483648" r:id="rId1"/>
   </p:sldMasterIdLst>
   <p:sldIdLst>
-    <p:sldId id="256" r:id="rId2"/>
-    <p:sldId id="257" r:id="rId3"/>
+    <p:sldId id="259" r:id="rId2"/>
+    <p:sldId id="256" r:id="rId3"/>
+    <p:sldId id="258" r:id="rId4"/>
+    <p:sldId id="260" r:id="rId5"/>
   </p:sldIdLst>
   <p:sldSz cx="12192000" cy="6858000"/>
   <p:notesSz cx="6858000" cy="9144000"/>
@@ -105,6 +107,11 @@
       </a:defRPr>
     </a:lvl9pPr>
   </p:defaultTextStyle>
+  <p:extLst>
+    <p:ext uri="{EFAFB233-063F-42B5-8137-9DF3F51BA10A}">
+      <p15:sldGuideLst xmlns:p15="http://schemas.microsoft.com/office/powerpoint/2012/main"/>
+    </p:ext>
+  </p:extLst>
 </p:presentation>
 </file>
 
@@ -257,7 +264,7 @@
           <a:p>
             <a:fld id="{1791E02C-67CA-456A-94D1-046673A56BED}" type="datetimeFigureOut">
               <a:rPr lang="en-CA" smtClean="0"/>
-              <a:t>2021-05-11</a:t>
+              <a:t>2021-05-13</a:t>
             </a:fld>
             <a:endParaRPr lang="en-CA"/>
           </a:p>
@@ -457,7 +464,7 @@
           <a:p>
             <a:fld id="{1791E02C-67CA-456A-94D1-046673A56BED}" type="datetimeFigureOut">
               <a:rPr lang="en-CA" smtClean="0"/>
-              <a:t>2021-05-11</a:t>
+              <a:t>2021-05-13</a:t>
             </a:fld>
             <a:endParaRPr lang="en-CA"/>
           </a:p>
@@ -667,7 +674,7 @@
           <a:p>
             <a:fld id="{1791E02C-67CA-456A-94D1-046673A56BED}" type="datetimeFigureOut">
               <a:rPr lang="en-CA" smtClean="0"/>
-              <a:t>2021-05-11</a:t>
+              <a:t>2021-05-13</a:t>
             </a:fld>
             <a:endParaRPr lang="en-CA"/>
           </a:p>
@@ -867,7 +874,7 @@
           <a:p>
             <a:fld id="{1791E02C-67CA-456A-94D1-046673A56BED}" type="datetimeFigureOut">
               <a:rPr lang="en-CA" smtClean="0"/>
-              <a:t>2021-05-11</a:t>
+              <a:t>2021-05-13</a:t>
             </a:fld>
             <a:endParaRPr lang="en-CA"/>
           </a:p>
@@ -1143,7 +1150,7 @@
           <a:p>
             <a:fld id="{1791E02C-67CA-456A-94D1-046673A56BED}" type="datetimeFigureOut">
               <a:rPr lang="en-CA" smtClean="0"/>
-              <a:t>2021-05-11</a:t>
+              <a:t>2021-05-13</a:t>
             </a:fld>
             <a:endParaRPr lang="en-CA"/>
           </a:p>
@@ -1411,7 +1418,7 @@
           <a:p>
             <a:fld id="{1791E02C-67CA-456A-94D1-046673A56BED}" type="datetimeFigureOut">
               <a:rPr lang="en-CA" smtClean="0"/>
-              <a:t>2021-05-11</a:t>
+              <a:t>2021-05-13</a:t>
             </a:fld>
             <a:endParaRPr lang="en-CA"/>
           </a:p>
@@ -1826,7 +1833,7 @@
           <a:p>
             <a:fld id="{1791E02C-67CA-456A-94D1-046673A56BED}" type="datetimeFigureOut">
               <a:rPr lang="en-CA" smtClean="0"/>
-              <a:t>2021-05-11</a:t>
+              <a:t>2021-05-13</a:t>
             </a:fld>
             <a:endParaRPr lang="en-CA"/>
           </a:p>
@@ -1968,7 +1975,7 @@
           <a:p>
             <a:fld id="{1791E02C-67CA-456A-94D1-046673A56BED}" type="datetimeFigureOut">
               <a:rPr lang="en-CA" smtClean="0"/>
-              <a:t>2021-05-11</a:t>
+              <a:t>2021-05-13</a:t>
             </a:fld>
             <a:endParaRPr lang="en-CA"/>
           </a:p>
@@ -2081,7 +2088,7 @@
           <a:p>
             <a:fld id="{1791E02C-67CA-456A-94D1-046673A56BED}" type="datetimeFigureOut">
               <a:rPr lang="en-CA" smtClean="0"/>
-              <a:t>2021-05-11</a:t>
+              <a:t>2021-05-13</a:t>
             </a:fld>
             <a:endParaRPr lang="en-CA"/>
           </a:p>
@@ -2394,7 +2401,7 @@
           <a:p>
             <a:fld id="{1791E02C-67CA-456A-94D1-046673A56BED}" type="datetimeFigureOut">
               <a:rPr lang="en-CA" smtClean="0"/>
-              <a:t>2021-05-11</a:t>
+              <a:t>2021-05-13</a:t>
             </a:fld>
             <a:endParaRPr lang="en-CA"/>
           </a:p>
@@ -2683,7 +2690,7 @@
           <a:p>
             <a:fld id="{1791E02C-67CA-456A-94D1-046673A56BED}" type="datetimeFigureOut">
               <a:rPr lang="en-CA" smtClean="0"/>
-              <a:t>2021-05-11</a:t>
+              <a:t>2021-05-13</a:t>
             </a:fld>
             <a:endParaRPr lang="en-CA"/>
           </a:p>
@@ -2926,7 +2933,7 @@
           <a:p>
             <a:fld id="{1791E02C-67CA-456A-94D1-046673A56BED}" type="datetimeFigureOut">
               <a:rPr lang="en-CA" smtClean="0"/>
-              <a:t>2021-05-11</a:t>
+              <a:t>2021-05-13</a:t>
             </a:fld>
             <a:endParaRPr lang="en-CA"/>
           </a:p>
@@ -3345,10 +3352,10 @@
       </p:grpSpPr>
       <p:pic>
         <p:nvPicPr>
-          <p:cNvPr id="5" name="Picture 4">
-            <a:extLst>
-              <a:ext uri="{FF2B5EF4-FFF2-40B4-BE49-F238E27FC236}">
-                <a16:creationId xmlns:a16="http://schemas.microsoft.com/office/drawing/2014/main" id="{C00CD051-BADD-4A65-97CD-DA7FB2DF2C27}"/>
+          <p:cNvPr id="2" name="Picture 1">
+            <a:extLst>
+              <a:ext uri="{FF2B5EF4-FFF2-40B4-BE49-F238E27FC236}">
+                <a16:creationId xmlns:a16="http://schemas.microsoft.com/office/drawing/2014/main" id="{4A9B23BC-2FF2-4535-9FB3-C4459317F7C6}"/>
               </a:ext>
             </a:extLst>
           </p:cNvPr>
@@ -3365,8 +3372,8 @@
         </p:blipFill>
         <p:spPr>
           <a:xfrm>
-            <a:off x="2551849" y="874675"/>
-            <a:ext cx="5309889" cy="4769380"/>
+            <a:off x="2102997" y="1659583"/>
+            <a:ext cx="7986005" cy="3538834"/>
           </a:xfrm>
           <a:prstGeom prst="rect">
             <a:avLst/>
@@ -3376,7 +3383,7 @@
     </p:spTree>
     <p:extLst>
       <p:ext uri="{BB962C8B-B14F-4D97-AF65-F5344CB8AC3E}">
-        <p14:creationId xmlns:p14="http://schemas.microsoft.com/office/powerpoint/2010/main" val="97899144"/>
+        <p14:creationId xmlns:p14="http://schemas.microsoft.com/office/powerpoint/2010/main" val="4196938061"/>
       </p:ext>
     </p:extLst>
   </p:cSld>
@@ -3389,6 +3396,14 @@
 <file path=ppt/slides/slide2.xml><?xml version="1.0" encoding="utf-8"?>
 <p:sld xmlns:a="http://schemas.openxmlformats.org/drawingml/2006/main" xmlns:r="http://schemas.openxmlformats.org/officeDocument/2006/relationships" xmlns:p="http://schemas.openxmlformats.org/presentationml/2006/main">
   <p:cSld>
+    <p:bg>
+      <p:bgPr>
+        <a:solidFill>
+          <a:schemeClr val="bg1"/>
+        </a:solidFill>
+        <a:effectLst/>
+      </p:bgPr>
+    </p:bg>
     <p:spTree>
       <p:nvGrpSpPr>
         <p:cNvPr id="1" name=""/>
@@ -3403,69 +3418,60 @@
           <a:chExt cx="0" cy="0"/>
         </a:xfrm>
       </p:grpSpPr>
-      <p:sp>
-        <p:nvSpPr>
-          <p:cNvPr id="7" name="TextBox 6">
-            <a:extLst>
-              <a:ext uri="{FF2B5EF4-FFF2-40B4-BE49-F238E27FC236}">
-                <a16:creationId xmlns:a16="http://schemas.microsoft.com/office/drawing/2014/main" id="{459BE271-A869-47F3-A1FE-291BC9EDB4BB}"/>
-              </a:ext>
-            </a:extLst>
-          </p:cNvPr>
-          <p:cNvSpPr txBox="1"/>
-          <p:nvPr/>
-        </p:nvSpPr>
-        <p:spPr>
-          <a:xfrm>
-            <a:off x="6201104" y="1716604"/>
-            <a:ext cx="2995448" cy="923330"/>
-          </a:xfrm>
-          <a:prstGeom prst="rect">
-            <a:avLst/>
-          </a:prstGeom>
-          <a:noFill/>
-        </p:spPr>
-        <p:txBody>
-          <a:bodyPr wrap="square" rtlCol="0">
-            <a:spAutoFit/>
-          </a:bodyPr>
-          <a:lstStyle/>
-          <a:p>
-            <a:r>
-              <a:rPr lang="en-CA" dirty="0"/>
-              <a:t>.save() method on model instance save the model as a record in MongoDB</a:t>
-            </a:r>
-          </a:p>
-        </p:txBody>
-      </p:sp>
       <p:pic>
         <p:nvPicPr>
-          <p:cNvPr id="8" name="Picture 7">
-            <a:extLst>
-              <a:ext uri="{FF2B5EF4-FFF2-40B4-BE49-F238E27FC236}">
-                <a16:creationId xmlns:a16="http://schemas.microsoft.com/office/drawing/2014/main" id="{9DCCB625-7341-4BB3-91FB-88E10BC6AC8F}"/>
-              </a:ext>
-            </a:extLst>
-          </p:cNvPr>
-          <p:cNvPicPr/>
+          <p:cNvPr id="5" name="Picture 4">
+            <a:extLst>
+              <a:ext uri="{FF2B5EF4-FFF2-40B4-BE49-F238E27FC236}">
+                <a16:creationId xmlns:a16="http://schemas.microsoft.com/office/drawing/2014/main" id="{C00CD051-BADD-4A65-97CD-DA7FB2DF2C27}"/>
+              </a:ext>
+            </a:extLst>
+          </p:cNvPr>
+          <p:cNvPicPr>
+            <a:picLocks noChangeAspect="1"/>
+          </p:cNvPicPr>
           <p:nvPr/>
         </p:nvPicPr>
         <p:blipFill>
-          <a:blip r:embed="rId2" cstate="print">
-            <a:extLst>
-              <a:ext uri="{28A0092B-C50C-407E-A947-70E740481C1C}">
-                <a14:useLocalDpi xmlns:a14="http://schemas.microsoft.com/office/drawing/2010/main" val="0"/>
-              </a:ext>
-            </a:extLst>
-          </a:blip>
+          <a:blip r:embed="rId2"/>
           <a:stretch>
             <a:fillRect/>
           </a:stretch>
         </p:blipFill>
         <p:spPr>
           <a:xfrm>
-            <a:off x="497358" y="1141248"/>
-            <a:ext cx="4996180" cy="2641600"/>
+            <a:off x="315975" y="518373"/>
+            <a:ext cx="4685793" cy="4181644"/>
+          </a:xfrm>
+          <a:prstGeom prst="rect">
+            <a:avLst/>
+          </a:prstGeom>
+        </p:spPr>
+      </p:pic>
+      <p:pic>
+        <p:nvPicPr>
+          <p:cNvPr id="2" name="Picture 1">
+            <a:extLst>
+              <a:ext uri="{FF2B5EF4-FFF2-40B4-BE49-F238E27FC236}">
+                <a16:creationId xmlns:a16="http://schemas.microsoft.com/office/drawing/2014/main" id="{CF3CBB6C-695A-4489-8B25-6E47D63DCF80}"/>
+              </a:ext>
+            </a:extLst>
+          </p:cNvPr>
+          <p:cNvPicPr>
+            <a:picLocks noChangeAspect="1"/>
+          </p:cNvPicPr>
+          <p:nvPr/>
+        </p:nvPicPr>
+        <p:blipFill>
+          <a:blip r:embed="rId3"/>
+          <a:stretch>
+            <a:fillRect/>
+          </a:stretch>
+        </p:blipFill>
+        <p:spPr>
+          <a:xfrm>
+            <a:off x="5001768" y="653204"/>
+            <a:ext cx="5291667" cy="2791353"/>
           </a:xfrm>
           <a:prstGeom prst="rect">
             <a:avLst/>
@@ -3474,20 +3480,22 @@
       </p:pic>
       <p:cxnSp>
         <p:nvCxnSpPr>
-          <p:cNvPr id="6" name="Straight Arrow Connector 5">
-            <a:extLst>
-              <a:ext uri="{FF2B5EF4-FFF2-40B4-BE49-F238E27FC236}">
-                <a16:creationId xmlns:a16="http://schemas.microsoft.com/office/drawing/2014/main" id="{6B3A40EA-F95F-4A39-87F1-691A9C8A555D}"/>
-              </a:ext>
-            </a:extLst>
-          </p:cNvPr>
-          <p:cNvCxnSpPr/>
+          <p:cNvPr id="4" name="Straight Arrow Connector 3">
+            <a:extLst>
+              <a:ext uri="{FF2B5EF4-FFF2-40B4-BE49-F238E27FC236}">
+                <a16:creationId xmlns:a16="http://schemas.microsoft.com/office/drawing/2014/main" id="{63B2D413-A9C1-4E17-9441-7BCB75A39EC8}"/>
+              </a:ext>
+            </a:extLst>
+          </p:cNvPr>
+          <p:cNvCxnSpPr>
+            <a:cxnSpLocks/>
+          </p:cNvCxnSpPr>
           <p:nvPr/>
         </p:nvCxnSpPr>
         <p:spPr>
-          <a:xfrm flipV="1">
-            <a:off x="5223641" y="2138855"/>
-            <a:ext cx="872359" cy="357352"/>
+          <a:xfrm flipH="1">
+            <a:off x="6792613" y="1956712"/>
+            <a:ext cx="1611761" cy="2368401"/>
           </a:xfrm>
           <a:prstGeom prst="straightConnector1">
             <a:avLst/>
@@ -3514,10 +3522,847 @@
           </a:fontRef>
         </p:style>
       </p:cxnSp>
+      <p:sp>
+        <p:nvSpPr>
+          <p:cNvPr id="6" name="TextBox 5">
+            <a:extLst>
+              <a:ext uri="{FF2B5EF4-FFF2-40B4-BE49-F238E27FC236}">
+                <a16:creationId xmlns:a16="http://schemas.microsoft.com/office/drawing/2014/main" id="{6C47D99E-6105-4284-B614-1C58B7EA6CA8}"/>
+              </a:ext>
+            </a:extLst>
+          </p:cNvPr>
+          <p:cNvSpPr txBox="1"/>
+          <p:nvPr/>
+        </p:nvSpPr>
+        <p:spPr>
+          <a:xfrm>
+            <a:off x="5771336" y="4325113"/>
+            <a:ext cx="2995448" cy="923330"/>
+          </a:xfrm>
+          <a:prstGeom prst="rect">
+            <a:avLst/>
+          </a:prstGeom>
+          <a:noFill/>
+        </p:spPr>
+        <p:txBody>
+          <a:bodyPr wrap="square" rtlCol="0">
+            <a:spAutoFit/>
+          </a:bodyPr>
+          <a:lstStyle/>
+          <a:p>
+            <a:r>
+              <a:rPr lang="en-CA" dirty="0"/>
+              <a:t>.save() method on model instance save the model as a record in MongoDB</a:t>
+            </a:r>
+          </a:p>
+        </p:txBody>
+      </p:sp>
     </p:spTree>
     <p:extLst>
       <p:ext uri="{BB962C8B-B14F-4D97-AF65-F5344CB8AC3E}">
-        <p14:creationId xmlns:p14="http://schemas.microsoft.com/office/powerpoint/2010/main" val="2732572860"/>
+        <p14:creationId xmlns:p14="http://schemas.microsoft.com/office/powerpoint/2010/main" val="97899144"/>
+      </p:ext>
+    </p:extLst>
+  </p:cSld>
+  <p:clrMapOvr>
+    <a:masterClrMapping/>
+  </p:clrMapOvr>
+</p:sld>
+</file>
+
+<file path=ppt/slides/slide3.xml><?xml version="1.0" encoding="utf-8"?>
+<p:sld xmlns:a="http://schemas.openxmlformats.org/drawingml/2006/main" xmlns:r="http://schemas.openxmlformats.org/officeDocument/2006/relationships" xmlns:p="http://schemas.openxmlformats.org/presentationml/2006/main">
+  <p:cSld>
+    <p:spTree>
+      <p:nvGrpSpPr>
+        <p:cNvPr id="1" name=""/>
+        <p:cNvGrpSpPr/>
+        <p:nvPr/>
+      </p:nvGrpSpPr>
+      <p:grpSpPr>
+        <a:xfrm>
+          <a:off x="0" y="0"/>
+          <a:ext cx="0" cy="0"/>
+          <a:chOff x="0" y="0"/>
+          <a:chExt cx="0" cy="0"/>
+        </a:xfrm>
+      </p:grpSpPr>
+      <p:pic>
+        <p:nvPicPr>
+          <p:cNvPr id="7" name="Picture 6">
+            <a:extLst>
+              <a:ext uri="{FF2B5EF4-FFF2-40B4-BE49-F238E27FC236}">
+                <a16:creationId xmlns:a16="http://schemas.microsoft.com/office/drawing/2014/main" id="{DD973A0D-DD60-47DE-8054-B2A66A80D768}"/>
+              </a:ext>
+            </a:extLst>
+          </p:cNvPr>
+          <p:cNvPicPr>
+            <a:picLocks noChangeAspect="1"/>
+          </p:cNvPicPr>
+          <p:nvPr/>
+        </p:nvPicPr>
+        <p:blipFill>
+          <a:blip r:embed="rId2"/>
+          <a:stretch>
+            <a:fillRect/>
+          </a:stretch>
+        </p:blipFill>
+        <p:spPr>
+          <a:xfrm>
+            <a:off x="0" y="191815"/>
+            <a:ext cx="5659587" cy="3968706"/>
+          </a:xfrm>
+          <a:prstGeom prst="rect">
+            <a:avLst/>
+          </a:prstGeom>
+        </p:spPr>
+      </p:pic>
+      <p:pic>
+        <p:nvPicPr>
+          <p:cNvPr id="9" name="Picture 8">
+            <a:extLst>
+              <a:ext uri="{FF2B5EF4-FFF2-40B4-BE49-F238E27FC236}">
+                <a16:creationId xmlns:a16="http://schemas.microsoft.com/office/drawing/2014/main" id="{D60009C5-F83D-4DAA-B82D-AC76FF6D7144}"/>
+              </a:ext>
+            </a:extLst>
+          </p:cNvPr>
+          <p:cNvPicPr>
+            <a:picLocks noChangeAspect="1"/>
+          </p:cNvPicPr>
+          <p:nvPr/>
+        </p:nvPicPr>
+        <p:blipFill>
+          <a:blip r:embed="rId3"/>
+          <a:stretch>
+            <a:fillRect/>
+          </a:stretch>
+        </p:blipFill>
+        <p:spPr>
+          <a:xfrm>
+            <a:off x="5791200" y="160283"/>
+            <a:ext cx="6064469" cy="3968706"/>
+          </a:xfrm>
+          <a:prstGeom prst="rect">
+            <a:avLst/>
+          </a:prstGeom>
+        </p:spPr>
+      </p:pic>
+      <p:cxnSp>
+        <p:nvCxnSpPr>
+          <p:cNvPr id="11" name="Straight Arrow Connector 10">
+            <a:extLst>
+              <a:ext uri="{FF2B5EF4-FFF2-40B4-BE49-F238E27FC236}">
+                <a16:creationId xmlns:a16="http://schemas.microsoft.com/office/drawing/2014/main" id="{4CD82CF5-18BE-4829-99DA-56A168E46899}"/>
+              </a:ext>
+            </a:extLst>
+          </p:cNvPr>
+          <p:cNvCxnSpPr>
+            <a:cxnSpLocks/>
+          </p:cNvCxnSpPr>
+          <p:nvPr/>
+        </p:nvCxnSpPr>
+        <p:spPr>
+          <a:xfrm flipV="1">
+            <a:off x="3431861" y="1923393"/>
+            <a:ext cx="3100554" cy="94594"/>
+          </a:xfrm>
+          <a:prstGeom prst="straightConnector1">
+            <a:avLst/>
+          </a:prstGeom>
+          <a:ln w="22225">
+            <a:solidFill>
+              <a:srgbClr val="FF0000"/>
+            </a:solidFill>
+            <a:tailEnd type="triangle"/>
+          </a:ln>
+        </p:spPr>
+        <p:style>
+          <a:lnRef idx="1">
+            <a:schemeClr val="accent1"/>
+          </a:lnRef>
+          <a:fillRef idx="0">
+            <a:schemeClr val="accent1"/>
+          </a:fillRef>
+          <a:effectRef idx="0">
+            <a:schemeClr val="accent1"/>
+          </a:effectRef>
+          <a:fontRef idx="minor">
+            <a:schemeClr val="tx1"/>
+          </a:fontRef>
+        </p:style>
+      </p:cxnSp>
+      <p:cxnSp>
+        <p:nvCxnSpPr>
+          <p:cNvPr id="13" name="Straight Arrow Connector 12">
+            <a:extLst>
+              <a:ext uri="{FF2B5EF4-FFF2-40B4-BE49-F238E27FC236}">
+                <a16:creationId xmlns:a16="http://schemas.microsoft.com/office/drawing/2014/main" id="{347D6527-D400-4759-8619-414F846FC570}"/>
+              </a:ext>
+            </a:extLst>
+          </p:cNvPr>
+          <p:cNvCxnSpPr>
+            <a:cxnSpLocks/>
+          </p:cNvCxnSpPr>
+          <p:nvPr/>
+        </p:nvCxnSpPr>
+        <p:spPr>
+          <a:xfrm>
+            <a:off x="1623977" y="2017987"/>
+            <a:ext cx="4698126" cy="651642"/>
+          </a:xfrm>
+          <a:prstGeom prst="straightConnector1">
+            <a:avLst/>
+          </a:prstGeom>
+          <a:ln w="22225">
+            <a:solidFill>
+              <a:srgbClr val="FF0000"/>
+            </a:solidFill>
+            <a:tailEnd type="triangle"/>
+          </a:ln>
+        </p:spPr>
+        <p:style>
+          <a:lnRef idx="1">
+            <a:schemeClr val="accent1"/>
+          </a:lnRef>
+          <a:fillRef idx="0">
+            <a:schemeClr val="accent1"/>
+          </a:fillRef>
+          <a:effectRef idx="0">
+            <a:schemeClr val="accent1"/>
+          </a:effectRef>
+          <a:fontRef idx="minor">
+            <a:schemeClr val="tx1"/>
+          </a:fontRef>
+        </p:style>
+      </p:cxnSp>
+      <p:sp>
+        <p:nvSpPr>
+          <p:cNvPr id="16" name="TextBox 15">
+            <a:extLst>
+              <a:ext uri="{FF2B5EF4-FFF2-40B4-BE49-F238E27FC236}">
+                <a16:creationId xmlns:a16="http://schemas.microsoft.com/office/drawing/2014/main" id="{039EBA88-17C3-44C3-9CA2-4E24778049B8}"/>
+              </a:ext>
+            </a:extLst>
+          </p:cNvPr>
+          <p:cNvSpPr txBox="1"/>
+          <p:nvPr/>
+        </p:nvSpPr>
+        <p:spPr>
+          <a:xfrm rot="10800000" flipV="1">
+            <a:off x="675006" y="5855629"/>
+            <a:ext cx="9666424" cy="646331"/>
+          </a:xfrm>
+          <a:prstGeom prst="rect">
+            <a:avLst/>
+          </a:prstGeom>
+          <a:noFill/>
+        </p:spPr>
+        <p:txBody>
+          <a:bodyPr wrap="square" rtlCol="0">
+            <a:spAutoFit/>
+          </a:bodyPr>
+          <a:lstStyle/>
+          <a:p>
+            <a:r>
+              <a:rPr lang="en-CA" dirty="0"/>
+              <a:t>Anytime we reach out to the mongo database, in any shape or form (searching and existing collection or saving a new one) , an asynchronous action is initiated.</a:t>
+            </a:r>
+          </a:p>
+        </p:txBody>
+      </p:sp>
+    </p:spTree>
+    <p:extLst>
+      <p:ext uri="{BB962C8B-B14F-4D97-AF65-F5344CB8AC3E}">
+        <p14:creationId xmlns:p14="http://schemas.microsoft.com/office/powerpoint/2010/main" val="4070944778"/>
+      </p:ext>
+    </p:extLst>
+  </p:cSld>
+  <p:clrMapOvr>
+    <a:masterClrMapping/>
+  </p:clrMapOvr>
+</p:sld>
+</file>
+
+<file path=ppt/slides/slide4.xml><?xml version="1.0" encoding="utf-8"?>
+<p:sld xmlns:a="http://schemas.openxmlformats.org/drawingml/2006/main" xmlns:r="http://schemas.openxmlformats.org/officeDocument/2006/relationships" xmlns:p="http://schemas.openxmlformats.org/presentationml/2006/main">
+  <p:cSld>
+    <p:bg>
+      <p:bgPr>
+        <a:solidFill>
+          <a:schemeClr val="bg1"/>
+        </a:solidFill>
+        <a:effectLst/>
+      </p:bgPr>
+    </p:bg>
+    <p:spTree>
+      <p:nvGrpSpPr>
+        <p:cNvPr id="1" name=""/>
+        <p:cNvGrpSpPr/>
+        <p:nvPr/>
+      </p:nvGrpSpPr>
+      <p:grpSpPr>
+        <a:xfrm>
+          <a:off x="0" y="0"/>
+          <a:ext cx="0" cy="0"/>
+          <a:chOff x="0" y="0"/>
+          <a:chExt cx="0" cy="0"/>
+        </a:xfrm>
+      </p:grpSpPr>
+      <p:sp>
+        <p:nvSpPr>
+          <p:cNvPr id="10" name="Rectangle 9">
+            <a:extLst>
+              <a:ext uri="{FF2B5EF4-FFF2-40B4-BE49-F238E27FC236}">
+                <a16:creationId xmlns:a16="http://schemas.microsoft.com/office/drawing/2014/main" id="{A9F529C3-C941-49FD-8C67-82F134F64BDB}"/>
+              </a:ext>
+              <a:ext uri="{C183D7F6-B498-43B3-948B-1728B52AA6E4}">
+                <adec:decorative xmlns:adec="http://schemas.microsoft.com/office/drawing/2017/decorative" val="1"/>
+              </a:ext>
+            </a:extLst>
+          </p:cNvPr>
+          <p:cNvSpPr>
+            <a:spLocks noGrp="1" noRot="1" noChangeAspect="1" noMove="1" noResize="1" noEditPoints="1" noAdjustHandles="1" noChangeArrowheads="1" noChangeShapeType="1" noTextEdit="1"/>
+          </p:cNvSpPr>
+          <p:nvPr>
+            <p:extLst>
+              <p:ext uri="{386F3935-93C4-4BCD-93E2-E3B085C9AB24}">
+                <p16:designElem xmlns:p16="http://schemas.microsoft.com/office/powerpoint/2015/main" val="1"/>
+              </p:ext>
+            </p:extLst>
+          </p:nvPr>
+        </p:nvSpPr>
+        <p:spPr>
+          <a:xfrm>
+            <a:off x="0" y="0"/>
+            <a:ext cx="12192000" cy="6858000"/>
+          </a:xfrm>
+          <a:prstGeom prst="rect">
+            <a:avLst/>
+          </a:prstGeom>
+          <a:solidFill>
+            <a:schemeClr val="tx1">
+              <a:lumMod val="50000"/>
+              <a:lumOff val="50000"/>
+              <a:alpha val="30000"/>
+            </a:schemeClr>
+          </a:solidFill>
+          <a:ln>
+            <a:noFill/>
+          </a:ln>
+        </p:spPr>
+        <p:style>
+          <a:lnRef idx="2">
+            <a:schemeClr val="accent1">
+              <a:shade val="50000"/>
+            </a:schemeClr>
+          </a:lnRef>
+          <a:fillRef idx="1">
+            <a:schemeClr val="accent1"/>
+          </a:fillRef>
+          <a:effectRef idx="0">
+            <a:schemeClr val="accent1"/>
+          </a:effectRef>
+          <a:fontRef idx="minor">
+            <a:schemeClr val="lt1"/>
+          </a:fontRef>
+        </p:style>
+        <p:txBody>
+          <a:bodyPr rtlCol="0" anchor="ctr"/>
+          <a:lstStyle/>
+          <a:p>
+            <a:pPr algn="ctr"/>
+            <a:endParaRPr lang="en-US"/>
+          </a:p>
+        </p:txBody>
+      </p:sp>
+      <p:sp>
+        <p:nvSpPr>
+          <p:cNvPr id="12" name="Rectangle 11">
+            <a:extLst>
+              <a:ext uri="{FF2B5EF4-FFF2-40B4-BE49-F238E27FC236}">
+                <a16:creationId xmlns:a16="http://schemas.microsoft.com/office/drawing/2014/main" id="{20586029-32A0-47E5-9AEC-AE3ABA6B94D0}"/>
+              </a:ext>
+              <a:ext uri="{C183D7F6-B498-43B3-948B-1728B52AA6E4}">
+                <adec:decorative xmlns:adec="http://schemas.microsoft.com/office/drawing/2017/decorative" val="1"/>
+              </a:ext>
+            </a:extLst>
+          </p:cNvPr>
+          <p:cNvSpPr>
+            <a:spLocks noGrp="1" noRot="1" noChangeAspect="1" noMove="1" noResize="1" noEditPoints="1" noAdjustHandles="1" noChangeArrowheads="1" noChangeShapeType="1" noTextEdit="1"/>
+          </p:cNvSpPr>
+          <p:nvPr>
+            <p:extLst>
+              <p:ext uri="{386F3935-93C4-4BCD-93E2-E3B085C9AB24}">
+                <p16:designElem xmlns:p16="http://schemas.microsoft.com/office/powerpoint/2015/main" val="1"/>
+              </p:ext>
+            </p:extLst>
+          </p:nvPr>
+        </p:nvSpPr>
+        <p:spPr>
+          <a:xfrm>
+            <a:off x="477012" y="480060"/>
+            <a:ext cx="11237976" cy="5897880"/>
+          </a:xfrm>
+          <a:prstGeom prst="rect">
+            <a:avLst/>
+          </a:prstGeom>
+          <a:solidFill>
+            <a:srgbClr val="FFFFFF"/>
+          </a:solidFill>
+          <a:ln w="9525">
+            <a:noFill/>
+          </a:ln>
+          <a:effectLst>
+            <a:outerShdw blurRad="63500" dist="17780" dir="5400000" algn="t" rotWithShape="0">
+              <a:prstClr val="black">
+                <a:alpha val="43000"/>
+              </a:prstClr>
+            </a:outerShdw>
+          </a:effectLst>
+        </p:spPr>
+        <p:style>
+          <a:lnRef idx="2">
+            <a:schemeClr val="accent1">
+              <a:shade val="50000"/>
+            </a:schemeClr>
+          </a:lnRef>
+          <a:fillRef idx="1">
+            <a:schemeClr val="accent1"/>
+          </a:fillRef>
+          <a:effectRef idx="0">
+            <a:schemeClr val="accent1"/>
+          </a:effectRef>
+          <a:fontRef idx="minor">
+            <a:schemeClr val="lt1"/>
+          </a:fontRef>
+        </p:style>
+        <p:txBody>
+          <a:bodyPr rtlCol="0" anchor="ctr"/>
+          <a:lstStyle/>
+          <a:p>
+            <a:pPr algn="ctr"/>
+            <a:endParaRPr lang="en-US"/>
+          </a:p>
+        </p:txBody>
+      </p:sp>
+      <p:pic>
+        <p:nvPicPr>
+          <p:cNvPr id="3" name="Picture 2" descr="Diagram&#10;&#10;Description automatically generated">
+            <a:extLst>
+              <a:ext uri="{FF2B5EF4-FFF2-40B4-BE49-F238E27FC236}">
+                <a16:creationId xmlns:a16="http://schemas.microsoft.com/office/drawing/2014/main" id="{4ACC7395-C966-4456-B699-80ACCEB2D83A}"/>
+              </a:ext>
+            </a:extLst>
+          </p:cNvPr>
+          <p:cNvPicPr>
+            <a:picLocks noChangeAspect="1"/>
+          </p:cNvPicPr>
+          <p:nvPr/>
+        </p:nvPicPr>
+        <p:blipFill>
+          <a:blip r:embed="rId2"/>
+          <a:stretch>
+            <a:fillRect/>
+          </a:stretch>
+        </p:blipFill>
+        <p:spPr>
+          <a:xfrm>
+            <a:off x="747985" y="760025"/>
+            <a:ext cx="5294716" cy="3216539"/>
+          </a:xfrm>
+          <a:prstGeom prst="rect">
+            <a:avLst/>
+          </a:prstGeom>
+        </p:spPr>
+      </p:pic>
+      <p:cxnSp>
+        <p:nvCxnSpPr>
+          <p:cNvPr id="14" name="Straight Connector 13">
+            <a:extLst>
+              <a:ext uri="{FF2B5EF4-FFF2-40B4-BE49-F238E27FC236}">
+                <a16:creationId xmlns:a16="http://schemas.microsoft.com/office/drawing/2014/main" id="{8C730EAB-A532-4295-A302-FB4B90DB9F5E}"/>
+              </a:ext>
+              <a:ext uri="{C183D7F6-B498-43B3-948B-1728B52AA6E4}">
+                <adec:decorative xmlns:adec="http://schemas.microsoft.com/office/drawing/2017/decorative" val="1"/>
+              </a:ext>
+            </a:extLst>
+          </p:cNvPr>
+          <p:cNvCxnSpPr>
+            <a:cxnSpLocks noGrp="1" noRot="1" noChangeAspect="1" noMove="1" noResize="1" noEditPoints="1" noAdjustHandles="1" noChangeArrowheads="1" noChangeShapeType="1"/>
+          </p:cNvCxnSpPr>
+          <p:nvPr>
+            <p:extLst>
+              <p:ext uri="{386F3935-93C4-4BCD-93E2-E3B085C9AB24}">
+                <p16:designElem xmlns:p16="http://schemas.microsoft.com/office/powerpoint/2015/main" val="1"/>
+              </p:ext>
+            </p:extLst>
+          </p:nvPr>
+        </p:nvCxnSpPr>
+        <p:spPr>
+          <a:xfrm>
+            <a:off x="6079958" y="1143000"/>
+            <a:ext cx="0" cy="4572000"/>
+          </a:xfrm>
+          <a:prstGeom prst="line">
+            <a:avLst/>
+          </a:prstGeom>
+          <a:ln>
+            <a:solidFill>
+              <a:srgbClr val="4E4E4E"/>
+            </a:solidFill>
+          </a:ln>
+        </p:spPr>
+        <p:style>
+          <a:lnRef idx="1">
+            <a:schemeClr val="accent1"/>
+          </a:lnRef>
+          <a:fillRef idx="0">
+            <a:schemeClr val="accent1"/>
+          </a:fillRef>
+          <a:effectRef idx="0">
+            <a:schemeClr val="accent1"/>
+          </a:effectRef>
+          <a:fontRef idx="minor">
+            <a:schemeClr val="tx1"/>
+          </a:fontRef>
+        </p:style>
+      </p:cxnSp>
+      <p:pic>
+        <p:nvPicPr>
+          <p:cNvPr id="5" name="Picture 4" descr="Diagram&#10;&#10;Description automatically generated">
+            <a:extLst>
+              <a:ext uri="{FF2B5EF4-FFF2-40B4-BE49-F238E27FC236}">
+                <a16:creationId xmlns:a16="http://schemas.microsoft.com/office/drawing/2014/main" id="{523F8C54-65C8-412B-A3D5-7CF902F51488}"/>
+              </a:ext>
+            </a:extLst>
+          </p:cNvPr>
+          <p:cNvPicPr>
+            <a:picLocks noChangeAspect="1"/>
+          </p:cNvPicPr>
+          <p:nvPr/>
+        </p:nvPicPr>
+        <p:blipFill>
+          <a:blip r:embed="rId3"/>
+          <a:stretch>
+            <a:fillRect/>
+          </a:stretch>
+        </p:blipFill>
+        <p:spPr>
+          <a:xfrm>
+            <a:off x="6253817" y="926703"/>
+            <a:ext cx="5294715" cy="5004594"/>
+          </a:xfrm>
+          <a:prstGeom prst="rect">
+            <a:avLst/>
+          </a:prstGeom>
+        </p:spPr>
+      </p:pic>
+      <p:sp>
+        <p:nvSpPr>
+          <p:cNvPr id="20" name="TextBox 19">
+            <a:extLst>
+              <a:ext uri="{FF2B5EF4-FFF2-40B4-BE49-F238E27FC236}">
+                <a16:creationId xmlns:a16="http://schemas.microsoft.com/office/drawing/2014/main" id="{251C5083-748E-42F2-B158-A74CE034B28C}"/>
+              </a:ext>
+            </a:extLst>
+          </p:cNvPr>
+          <p:cNvSpPr txBox="1"/>
+          <p:nvPr/>
+        </p:nvSpPr>
+        <p:spPr>
+          <a:xfrm>
+            <a:off x="1155021" y="2906597"/>
+            <a:ext cx="1643705" cy="1015663"/>
+          </a:xfrm>
+          <a:prstGeom prst="rect">
+            <a:avLst/>
+          </a:prstGeom>
+          <a:noFill/>
+        </p:spPr>
+        <p:txBody>
+          <a:bodyPr wrap="square" rtlCol="0">
+            <a:spAutoFit/>
+          </a:bodyPr>
+          <a:lstStyle/>
+          <a:p>
+            <a:r>
+              <a:rPr lang="en-CA" sz="1200" dirty="0" err="1"/>
+              <a:t>serializeUser</a:t>
+            </a:r>
+            <a:r>
+              <a:rPr lang="en-CA" sz="1200" dirty="0"/>
+              <a:t> is automatically called by passport with user object (model) that has been fetched </a:t>
+            </a:r>
+          </a:p>
+        </p:txBody>
+      </p:sp>
+      <p:cxnSp>
+        <p:nvCxnSpPr>
+          <p:cNvPr id="25" name="Straight Arrow Connector 24">
+            <a:extLst>
+              <a:ext uri="{FF2B5EF4-FFF2-40B4-BE49-F238E27FC236}">
+                <a16:creationId xmlns:a16="http://schemas.microsoft.com/office/drawing/2014/main" id="{2C8A2588-93DE-4186-93D8-5023666F67AC}"/>
+              </a:ext>
+            </a:extLst>
+          </p:cNvPr>
+          <p:cNvCxnSpPr/>
+          <p:nvPr/>
+        </p:nvCxnSpPr>
+        <p:spPr>
+          <a:xfrm flipH="1" flipV="1">
+            <a:off x="2286000" y="1655064"/>
+            <a:ext cx="1059671" cy="356616"/>
+          </a:xfrm>
+          <a:prstGeom prst="straightConnector1">
+            <a:avLst/>
+          </a:prstGeom>
+          <a:ln w="19050">
+            <a:solidFill>
+              <a:srgbClr val="FF0000"/>
+            </a:solidFill>
+            <a:tailEnd type="triangle"/>
+          </a:ln>
+        </p:spPr>
+        <p:style>
+          <a:lnRef idx="1">
+            <a:schemeClr val="accent1"/>
+          </a:lnRef>
+          <a:fillRef idx="0">
+            <a:schemeClr val="accent1"/>
+          </a:fillRef>
+          <a:effectRef idx="0">
+            <a:schemeClr val="accent1"/>
+          </a:effectRef>
+          <a:fontRef idx="minor">
+            <a:schemeClr val="tx1"/>
+          </a:fontRef>
+        </p:style>
+      </p:cxnSp>
+      <p:sp>
+        <p:nvSpPr>
+          <p:cNvPr id="26" name="TextBox 25">
+            <a:extLst>
+              <a:ext uri="{FF2B5EF4-FFF2-40B4-BE49-F238E27FC236}">
+                <a16:creationId xmlns:a16="http://schemas.microsoft.com/office/drawing/2014/main" id="{8E42D7E1-2334-4608-9FAD-389FF242D1D3}"/>
+              </a:ext>
+            </a:extLst>
+          </p:cNvPr>
+          <p:cNvSpPr txBox="1"/>
+          <p:nvPr/>
+        </p:nvSpPr>
+        <p:spPr>
+          <a:xfrm>
+            <a:off x="1065297" y="1521244"/>
+            <a:ext cx="1133774" cy="1200329"/>
+          </a:xfrm>
+          <a:prstGeom prst="rect">
+            <a:avLst/>
+          </a:prstGeom>
+          <a:noFill/>
+        </p:spPr>
+        <p:txBody>
+          <a:bodyPr wrap="square" rtlCol="0">
+            <a:spAutoFit/>
+          </a:bodyPr>
+          <a:lstStyle/>
+          <a:p>
+            <a:r>
+              <a:rPr lang="en-CA" sz="1200" dirty="0"/>
+              <a:t>Cookie is set automatically by passport with identifying piece of id</a:t>
+            </a:r>
+          </a:p>
+        </p:txBody>
+      </p:sp>
+      <p:cxnSp>
+        <p:nvCxnSpPr>
+          <p:cNvPr id="28" name="Straight Arrow Connector 27">
+            <a:extLst>
+              <a:ext uri="{FF2B5EF4-FFF2-40B4-BE49-F238E27FC236}">
+                <a16:creationId xmlns:a16="http://schemas.microsoft.com/office/drawing/2014/main" id="{FD04A816-8ABF-4B84-A981-210D9056AA0D}"/>
+              </a:ext>
+            </a:extLst>
+          </p:cNvPr>
+          <p:cNvCxnSpPr>
+            <a:cxnSpLocks/>
+          </p:cNvCxnSpPr>
+          <p:nvPr/>
+        </p:nvCxnSpPr>
+        <p:spPr>
+          <a:xfrm flipH="1">
+            <a:off x="2555666" y="2267712"/>
+            <a:ext cx="2062054" cy="777240"/>
+          </a:xfrm>
+          <a:prstGeom prst="straightConnector1">
+            <a:avLst/>
+          </a:prstGeom>
+          <a:ln w="19050">
+            <a:solidFill>
+              <a:srgbClr val="FF0000"/>
+            </a:solidFill>
+            <a:tailEnd type="triangle"/>
+          </a:ln>
+        </p:spPr>
+        <p:style>
+          <a:lnRef idx="1">
+            <a:schemeClr val="accent1"/>
+          </a:lnRef>
+          <a:fillRef idx="0">
+            <a:schemeClr val="accent1"/>
+          </a:fillRef>
+          <a:effectRef idx="0">
+            <a:schemeClr val="accent1"/>
+          </a:effectRef>
+          <a:fontRef idx="minor">
+            <a:schemeClr val="tx1"/>
+          </a:fontRef>
+        </p:style>
+      </p:cxnSp>
+      <p:cxnSp>
+        <p:nvCxnSpPr>
+          <p:cNvPr id="31" name="Straight Arrow Connector 30">
+            <a:extLst>
+              <a:ext uri="{FF2B5EF4-FFF2-40B4-BE49-F238E27FC236}">
+                <a16:creationId xmlns:a16="http://schemas.microsoft.com/office/drawing/2014/main" id="{2F0BA289-BEA6-44D3-97D3-B3453ABB3373}"/>
+              </a:ext>
+            </a:extLst>
+          </p:cNvPr>
+          <p:cNvCxnSpPr/>
+          <p:nvPr/>
+        </p:nvCxnSpPr>
+        <p:spPr>
+          <a:xfrm flipH="1">
+            <a:off x="1874520" y="3154680"/>
+            <a:ext cx="1609344" cy="1490472"/>
+          </a:xfrm>
+          <a:prstGeom prst="straightConnector1">
+            <a:avLst/>
+          </a:prstGeom>
+          <a:ln w="19050">
+            <a:solidFill>
+              <a:srgbClr val="FF0000"/>
+            </a:solidFill>
+            <a:tailEnd type="triangle"/>
+          </a:ln>
+        </p:spPr>
+        <p:style>
+          <a:lnRef idx="1">
+            <a:schemeClr val="accent1"/>
+          </a:lnRef>
+          <a:fillRef idx="0">
+            <a:schemeClr val="accent1"/>
+          </a:fillRef>
+          <a:effectRef idx="0">
+            <a:schemeClr val="accent1"/>
+          </a:effectRef>
+          <a:fontRef idx="minor">
+            <a:schemeClr val="tx1"/>
+          </a:fontRef>
+        </p:style>
+      </p:cxnSp>
+      <p:sp>
+        <p:nvSpPr>
+          <p:cNvPr id="32" name="TextBox 31">
+            <a:extLst>
+              <a:ext uri="{FF2B5EF4-FFF2-40B4-BE49-F238E27FC236}">
+                <a16:creationId xmlns:a16="http://schemas.microsoft.com/office/drawing/2014/main" id="{97E93DB6-82F1-47FF-BD06-A4F40C84D4DA}"/>
+              </a:ext>
+            </a:extLst>
+          </p:cNvPr>
+          <p:cNvSpPr txBox="1"/>
+          <p:nvPr/>
+        </p:nvSpPr>
+        <p:spPr>
+          <a:xfrm>
+            <a:off x="720553" y="4645152"/>
+            <a:ext cx="2446760" cy="276999"/>
+          </a:xfrm>
+          <a:prstGeom prst="rect">
+            <a:avLst/>
+          </a:prstGeom>
+          <a:noFill/>
+        </p:spPr>
+        <p:txBody>
+          <a:bodyPr wrap="none" rtlCol="0">
+            <a:spAutoFit/>
+          </a:bodyPr>
+          <a:lstStyle/>
+          <a:p>
+            <a:r>
+              <a:rPr lang="en-CA" sz="1200" dirty="0"/>
+              <a:t>Automatically added by the browser</a:t>
+            </a:r>
+          </a:p>
+        </p:txBody>
+      </p:sp>
+      <p:pic>
+        <p:nvPicPr>
+          <p:cNvPr id="33" name="Picture 32">
+            <a:extLst>
+              <a:ext uri="{FF2B5EF4-FFF2-40B4-BE49-F238E27FC236}">
+                <a16:creationId xmlns:a16="http://schemas.microsoft.com/office/drawing/2014/main" id="{0438FCC3-D420-431C-893C-CB2586BFC2F2}"/>
+              </a:ext>
+            </a:extLst>
+          </p:cNvPr>
+          <p:cNvPicPr>
+            <a:picLocks noChangeAspect="1"/>
+          </p:cNvPicPr>
+          <p:nvPr/>
+        </p:nvPicPr>
+        <p:blipFill>
+          <a:blip r:embed="rId4"/>
+          <a:stretch>
+            <a:fillRect/>
+          </a:stretch>
+        </p:blipFill>
+        <p:spPr>
+          <a:xfrm>
+            <a:off x="3961883" y="3333491"/>
+            <a:ext cx="1209862" cy="1123134"/>
+          </a:xfrm>
+          <a:prstGeom prst="rect">
+            <a:avLst/>
+          </a:prstGeom>
+        </p:spPr>
+      </p:pic>
+      <p:sp>
+        <p:nvSpPr>
+          <p:cNvPr id="35" name="TextBox 34">
+            <a:extLst>
+              <a:ext uri="{FF2B5EF4-FFF2-40B4-BE49-F238E27FC236}">
+                <a16:creationId xmlns:a16="http://schemas.microsoft.com/office/drawing/2014/main" id="{FECEB563-669A-4DA7-A0A8-53C4E6D279DC}"/>
+              </a:ext>
+            </a:extLst>
+          </p:cNvPr>
+          <p:cNvSpPr txBox="1"/>
+          <p:nvPr/>
+        </p:nvSpPr>
+        <p:spPr>
+          <a:xfrm>
+            <a:off x="3241980" y="4427459"/>
+            <a:ext cx="2161041" cy="276999"/>
+          </a:xfrm>
+          <a:prstGeom prst="rect">
+            <a:avLst/>
+          </a:prstGeom>
+          <a:noFill/>
+        </p:spPr>
+        <p:txBody>
+          <a:bodyPr wrap="none" rtlCol="0">
+            <a:spAutoFit/>
+          </a:bodyPr>
+          <a:lstStyle/>
+          <a:p>
+            <a:r>
+              <a:rPr lang="en-CA" sz="1200" dirty="0"/>
+              <a:t>Automatically done by passport</a:t>
+            </a:r>
+          </a:p>
+        </p:txBody>
+      </p:sp>
+    </p:spTree>
+    <p:extLst>
+      <p:ext uri="{BB962C8B-B14F-4D97-AF65-F5344CB8AC3E}">
+        <p14:creationId xmlns:p14="http://schemas.microsoft.com/office/powerpoint/2010/main" val="2181484361"/>
       </p:ext>
     </p:extLst>
   </p:cSld>
